--- a/our approach kpl kefflux tissue.pptx
+++ b/our approach kpl kefflux tissue.pptx
@@ -424,7 +424,9 @@
         <c:spPr>
           <a:noFill/>
           <a:ln>
-            <a:noFill/>
+            <a:solidFill>
+              <a:schemeClr val="tx1"/>
+            </a:solidFill>
           </a:ln>
           <a:effectLst/>
         </c:spPr>
@@ -831,7 +833,9 @@
         <c:spPr>
           <a:noFill/>
           <a:ln>
-            <a:noFill/>
+            <a:solidFill>
+              <a:schemeClr val="tx1"/>
+            </a:solidFill>
           </a:ln>
           <a:effectLst/>
         </c:spPr>
@@ -2138,7 +2142,7 @@
           <a:p>
             <a:fld id="{5425E0AC-283B-4F3A-BF01-29F3351E6DF0}" type="datetimeFigureOut">
               <a:rPr lang="en-US" smtClean="0"/>
-              <a:t>6/2/2020</a:t>
+              <a:t>6/3/2020</a:t>
             </a:fld>
             <a:endParaRPr lang="en-US"/>
           </a:p>
@@ -2336,7 +2340,7 @@
           <a:p>
             <a:fld id="{5425E0AC-283B-4F3A-BF01-29F3351E6DF0}" type="datetimeFigureOut">
               <a:rPr lang="en-US" smtClean="0"/>
-              <a:t>6/2/2020</a:t>
+              <a:t>6/3/2020</a:t>
             </a:fld>
             <a:endParaRPr lang="en-US"/>
           </a:p>
@@ -2544,7 +2548,7 @@
           <a:p>
             <a:fld id="{5425E0AC-283B-4F3A-BF01-29F3351E6DF0}" type="datetimeFigureOut">
               <a:rPr lang="en-US" smtClean="0"/>
-              <a:t>6/2/2020</a:t>
+              <a:t>6/3/2020</a:t>
             </a:fld>
             <a:endParaRPr lang="en-US"/>
           </a:p>
@@ -2742,7 +2746,7 @@
           <a:p>
             <a:fld id="{5425E0AC-283B-4F3A-BF01-29F3351E6DF0}" type="datetimeFigureOut">
               <a:rPr lang="en-US" smtClean="0"/>
-              <a:t>6/2/2020</a:t>
+              <a:t>6/3/2020</a:t>
             </a:fld>
             <a:endParaRPr lang="en-US"/>
           </a:p>
@@ -3017,7 +3021,7 @@
           <a:p>
             <a:fld id="{5425E0AC-283B-4F3A-BF01-29F3351E6DF0}" type="datetimeFigureOut">
               <a:rPr lang="en-US" smtClean="0"/>
-              <a:t>6/2/2020</a:t>
+              <a:t>6/3/2020</a:t>
             </a:fld>
             <a:endParaRPr lang="en-US"/>
           </a:p>
@@ -3282,7 +3286,7 @@
           <a:p>
             <a:fld id="{5425E0AC-283B-4F3A-BF01-29F3351E6DF0}" type="datetimeFigureOut">
               <a:rPr lang="en-US" smtClean="0"/>
-              <a:t>6/2/2020</a:t>
+              <a:t>6/3/2020</a:t>
             </a:fld>
             <a:endParaRPr lang="en-US"/>
           </a:p>
@@ -3694,7 +3698,7 @@
           <a:p>
             <a:fld id="{5425E0AC-283B-4F3A-BF01-29F3351E6DF0}" type="datetimeFigureOut">
               <a:rPr lang="en-US" smtClean="0"/>
-              <a:t>6/2/2020</a:t>
+              <a:t>6/3/2020</a:t>
             </a:fld>
             <a:endParaRPr lang="en-US"/>
           </a:p>
@@ -3835,7 +3839,7 @@
           <a:p>
             <a:fld id="{5425E0AC-283B-4F3A-BF01-29F3351E6DF0}" type="datetimeFigureOut">
               <a:rPr lang="en-US" smtClean="0"/>
-              <a:t>6/2/2020</a:t>
+              <a:t>6/3/2020</a:t>
             </a:fld>
             <a:endParaRPr lang="en-US"/>
           </a:p>
@@ -3948,7 +3952,7 @@
           <a:p>
             <a:fld id="{5425E0AC-283B-4F3A-BF01-29F3351E6DF0}" type="datetimeFigureOut">
               <a:rPr lang="en-US" smtClean="0"/>
-              <a:t>6/2/2020</a:t>
+              <a:t>6/3/2020</a:t>
             </a:fld>
             <a:endParaRPr lang="en-US"/>
           </a:p>
@@ -4259,7 +4263,7 @@
           <a:p>
             <a:fld id="{5425E0AC-283B-4F3A-BF01-29F3351E6DF0}" type="datetimeFigureOut">
               <a:rPr lang="en-US" smtClean="0"/>
-              <a:t>6/2/2020</a:t>
+              <a:t>6/3/2020</a:t>
             </a:fld>
             <a:endParaRPr lang="en-US"/>
           </a:p>
@@ -4547,7 +4551,7 @@
           <a:p>
             <a:fld id="{5425E0AC-283B-4F3A-BF01-29F3351E6DF0}" type="datetimeFigureOut">
               <a:rPr lang="en-US" smtClean="0"/>
-              <a:t>6/2/2020</a:t>
+              <a:t>6/3/2020</a:t>
             </a:fld>
             <a:endParaRPr lang="en-US"/>
           </a:p>
@@ -4788,7 +4792,7 @@
           <a:p>
             <a:fld id="{5425E0AC-283B-4F3A-BF01-29F3351E6DF0}" type="datetimeFigureOut">
               <a:rPr lang="en-US" smtClean="0"/>
-              <a:t>6/2/2020</a:t>
+              <a:t>6/3/2020</a:t>
             </a:fld>
             <a:endParaRPr lang="en-US"/>
           </a:p>
@@ -5220,7 +5224,7 @@
           <p:nvPr>
             <p:extLst>
               <p:ext uri="{D42A27DB-BD31-4B8C-83A1-F6EECF244321}">
-                <p14:modId xmlns:p14="http://schemas.microsoft.com/office/powerpoint/2010/main" val="3222272012"/>
+                <p14:modId xmlns:p14="http://schemas.microsoft.com/office/powerpoint/2010/main" val="1644421538"/>
               </p:ext>
             </p:extLst>
           </p:nvPr>
@@ -5250,7 +5254,7 @@
           <p:nvPr>
             <p:extLst>
               <p:ext uri="{D42A27DB-BD31-4B8C-83A1-F6EECF244321}">
-                <p14:modId xmlns:p14="http://schemas.microsoft.com/office/powerpoint/2010/main" val="3331673996"/>
+                <p14:modId xmlns:p14="http://schemas.microsoft.com/office/powerpoint/2010/main" val="762037396"/>
               </p:ext>
             </p:extLst>
           </p:nvPr>
